--- a/课程PPT/14.ECMAScript 6 二（10、ES6对函数参数的扩展）.pptx
+++ b/课程PPT/14.ECMAScript 6 二（10、ES6对函数参数的扩展）.pptx
@@ -6559,7 +6559,7 @@
                   <a:schemeClr val="tx1"/>
                 </a:solidFill>
               </a:rPr>
-              <a:t>参数变量是默认声明的，所以不能用</a:t>
+              <a:t>参数变量是默认声明的，所以函数体内不能再用</a:t>
             </a:r>
             <a:r>
               <a:rPr kumimoji="0" lang="en-US" altLang="zh-CN" sz="2000" dirty="0" smtClean="0">
@@ -8761,7 +8761,25 @@
                 </a:solidFill>
                 <a:sym typeface="+mn-ea"/>
               </a:rPr>
-              <a:t>使用</a:t>
+              <a:t>使用（虽然也是</a:t>
+            </a:r>
+            <a:r>
+              <a:rPr lang="en-US" altLang="zh-CN" sz="2000">
+                <a:solidFill>
+                  <a:schemeClr val="tx1"/>
+                </a:solidFill>
+                <a:sym typeface="+mn-ea"/>
+              </a:rPr>
+              <a:t>...</a:t>
+            </a:r>
+            <a:r>
+              <a:rPr lang="zh-CN" altLang="en-US" sz="2000">
+                <a:solidFill>
+                  <a:schemeClr val="tx1"/>
+                </a:solidFill>
+                <a:sym typeface="+mn-ea"/>
+              </a:rPr>
+              <a:t>，但使用的场景不同）</a:t>
             </a:r>
             <a:br>
               <a:rPr lang="zh-CN" sz="2000">
@@ -8807,9 +8825,71 @@
               </a:rPr>
               <a:t>的逆过程</a:t>
             </a:r>
+            <a:br>
+              <a:rPr lang="zh-CN" altLang="en-US" sz="2000">
+                <a:solidFill>
+                  <a:schemeClr val="accent3"/>
+                </a:solidFill>
+                <a:sym typeface="+mn-ea"/>
+              </a:rPr>
+            </a:br>
+            <a:r>
+              <a:rPr lang="en-US" altLang="zh-CN" sz="2000">
+                <a:solidFill>
+                  <a:schemeClr val="tx1"/>
+                </a:solidFill>
+                <a:sym typeface="+mn-ea"/>
+              </a:rPr>
+              <a:t>- </a:t>
+            </a:r>
+            <a:r>
+              <a:rPr lang="zh-CN" altLang="en-US" sz="2000">
+                <a:solidFill>
+                  <a:schemeClr val="tx1"/>
+                </a:solidFill>
+                <a:sym typeface="+mn-ea"/>
+              </a:rPr>
+              <a:t>在</a:t>
+            </a:r>
+            <a:r>
+              <a:rPr lang="en-US" altLang="zh-CN" sz="2000">
+                <a:solidFill>
+                  <a:schemeClr val="tx1"/>
+                </a:solidFill>
+                <a:sym typeface="+mn-ea"/>
+              </a:rPr>
+              <a:t>call</a:t>
+            </a:r>
+            <a:r>
+              <a:rPr lang="zh-CN" altLang="en-US" sz="2000">
+                <a:solidFill>
+                  <a:schemeClr val="tx1"/>
+                </a:solidFill>
+                <a:sym typeface="+mn-ea"/>
+              </a:rPr>
+              <a:t>和</a:t>
+            </a:r>
+            <a:r>
+              <a:rPr lang="en-US" altLang="zh-CN" sz="2000">
+                <a:solidFill>
+                  <a:schemeClr val="tx1"/>
+                </a:solidFill>
+                <a:sym typeface="+mn-ea"/>
+              </a:rPr>
+              <a:t>apply</a:t>
+            </a:r>
+            <a:r>
+              <a:rPr lang="zh-CN" altLang="en-US" sz="2000">
+                <a:solidFill>
+                  <a:schemeClr val="tx1"/>
+                </a:solidFill>
+                <a:sym typeface="+mn-ea"/>
+              </a:rPr>
+              <a:t>的转换过程中十分有用</a:t>
+            </a:r>
             <a:endParaRPr kumimoji="0" lang="zh-CN" altLang="en-US" sz="2000" dirty="0" smtClean="0">
               <a:solidFill>
-                <a:schemeClr val="accent3"/>
+                <a:schemeClr val="tx1"/>
               </a:solidFill>
               <a:sym typeface="+mn-ea"/>
             </a:endParaRPr>
@@ -8886,7 +8966,7 @@
         </p:blipFill>
         <p:spPr>
           <a:xfrm>
-            <a:off x="1208405" y="2753995"/>
+            <a:off x="1208405" y="2969260"/>
             <a:ext cx="7077075" cy="2657475"/>
           </a:xfrm>
           <a:prstGeom prst="rect">
@@ -16327,12 +16407,57 @@
                 </a:solidFill>
                 <a:sym typeface="+mn-ea"/>
               </a:rPr>
-              <a:t>var selected = allJobs.filter(function (job) {</a:t>
+              <a:t>var </a:t>
+            </a:r>
+            <a:r>
+              <a:rPr kumimoji="0" lang="en-US" altLang="zh-CN" sz="2000" dirty="0" smtClean="0">
+                <a:solidFill>
+                  <a:schemeClr val="tx1"/>
+                </a:solidFill>
+                <a:sym typeface="+mn-ea"/>
+              </a:rPr>
+              <a:t>max</a:t>
+            </a:r>
+            <a:r>
+              <a:rPr kumimoji="0" lang="zh-CN" altLang="en-US" sz="2000" dirty="0" smtClean="0">
+                <a:solidFill>
+                  <a:schemeClr val="tx1"/>
+                </a:solidFill>
+                <a:sym typeface="+mn-ea"/>
+              </a:rPr>
+              <a:t>= </a:t>
+            </a:r>
+            <a:r>
+              <a:rPr kumimoji="0" lang="zh-CN" altLang="en-US" sz="2000" dirty="0" smtClean="0">
+                <a:solidFill>
+                  <a:srgbClr val="FF0000"/>
+                </a:solidFill>
+                <a:sym typeface="+mn-ea"/>
+              </a:rPr>
+              <a:t>function (</a:t>
+            </a:r>
+            <a:r>
+              <a:rPr kumimoji="0" lang="en-US" altLang="zh-CN" sz="2000" dirty="0" smtClean="0">
+                <a:solidFill>
+                  <a:srgbClr val="FF0000"/>
+                </a:solidFill>
+                <a:sym typeface="+mn-ea"/>
+              </a:rPr>
+              <a:t>a,b</a:t>
+            </a:r>
+            <a:r>
+              <a:rPr kumimoji="0" lang="zh-CN" altLang="en-US" sz="2000" dirty="0" smtClean="0">
+                <a:solidFill>
+                  <a:srgbClr val="FF0000"/>
+                </a:solidFill>
+                <a:sym typeface="+mn-ea"/>
+              </a:rPr>
+              <a:t>) {</a:t>
             </a:r>
             <a:br>
               <a:rPr kumimoji="0" lang="zh-CN" altLang="en-US" sz="2000" dirty="0" smtClean="0">
                 <a:solidFill>
-                  <a:schemeClr val="tx1"/>
+                  <a:srgbClr val="FF0000"/>
                 </a:solidFill>
                 <a:sym typeface="+mn-ea"/>
               </a:rPr>
@@ -16340,16 +16465,34 @@
             <a:r>
               <a:rPr kumimoji="0" lang="zh-CN" altLang="en-US" sz="2000" dirty="0" smtClean="0">
                 <a:solidFill>
-                  <a:schemeClr val="tx1"/>
-                </a:solidFill>
-                <a:sym typeface="+mn-ea"/>
-              </a:rPr>
-              <a:t>      return job.isSelected( );</a:t>
+                  <a:srgbClr val="FF0000"/>
+                </a:solidFill>
+                <a:sym typeface="+mn-ea"/>
+              </a:rPr>
+              <a:t>      return </a:t>
+            </a:r>
+            <a:r>
+              <a:rPr kumimoji="0" lang="en-US" altLang="zh-CN" sz="2000" dirty="0" smtClean="0">
+                <a:solidFill>
+                  <a:srgbClr val="FF0000"/>
+                </a:solidFill>
+                <a:sym typeface="+mn-ea"/>
+              </a:rPr>
+              <a:t>a&gt;b?a:b</a:t>
+            </a:r>
+            <a:r>
+              <a:rPr kumimoji="0" lang="zh-CN" altLang="en-US" sz="2000" dirty="0" smtClean="0">
+                <a:solidFill>
+                  <a:srgbClr val="FF0000"/>
+                </a:solidFill>
+                <a:sym typeface="+mn-ea"/>
+              </a:rPr>
+              <a:t>;</a:t>
             </a:r>
             <a:br>
               <a:rPr kumimoji="0" lang="zh-CN" altLang="en-US" sz="2000" dirty="0" smtClean="0">
                 <a:solidFill>
-                  <a:schemeClr val="tx1"/>
+                  <a:srgbClr val="FF0000"/>
                 </a:solidFill>
                 <a:sym typeface="+mn-ea"/>
               </a:rPr>
@@ -16357,11 +16500,20 @@
             <a:r>
               <a:rPr kumimoji="0" lang="zh-CN" altLang="en-US" sz="2000" dirty="0" smtClean="0">
                 <a:solidFill>
-                  <a:schemeClr val="tx1"/>
-                </a:solidFill>
-                <a:sym typeface="+mn-ea"/>
-              </a:rPr>
-              <a:t>});</a:t>
+                  <a:srgbClr val="FF0000"/>
+                </a:solidFill>
+                <a:sym typeface="+mn-ea"/>
+              </a:rPr>
+              <a:t>}</a:t>
+            </a:r>
+            <a:r>
+              <a:rPr kumimoji="0" lang="zh-CN" altLang="en-US" sz="2000" dirty="0" smtClean="0">
+                <a:solidFill>
+                  <a:schemeClr val="tx1"/>
+                </a:solidFill>
+                <a:sym typeface="+mn-ea"/>
+              </a:rPr>
+              <a:t>;</a:t>
             </a:r>
             <a:br>
               <a:rPr kumimoji="0" lang="zh-CN" altLang="en-US" sz="2000" dirty="0" smtClean="0">
@@ -16403,7 +16555,61 @@
                 </a:solidFill>
                 <a:sym typeface="+mn-ea"/>
               </a:rPr>
-              <a:t>var selected = allJobs.filter(job =&gt; job.isSelected( ));</a:t>
+              <a:t>var </a:t>
+            </a:r>
+            <a:r>
+              <a:rPr kumimoji="0" lang="en-US" altLang="zh-CN" sz="2000" dirty="0" smtClean="0">
+                <a:solidFill>
+                  <a:schemeClr val="tx1"/>
+                </a:solidFill>
+                <a:sym typeface="+mn-ea"/>
+              </a:rPr>
+              <a:t>max</a:t>
+            </a:r>
+            <a:r>
+              <a:rPr kumimoji="0" lang="zh-CN" altLang="en-US" sz="2000" dirty="0" smtClean="0">
+                <a:solidFill>
+                  <a:schemeClr val="tx1"/>
+                </a:solidFill>
+                <a:sym typeface="+mn-ea"/>
+              </a:rPr>
+              <a:t>= </a:t>
+            </a:r>
+            <a:r>
+              <a:rPr kumimoji="0" lang="en-US" altLang="zh-CN" sz="2000" dirty="0" smtClean="0">
+                <a:solidFill>
+                  <a:srgbClr val="FF0000"/>
+                </a:solidFill>
+                <a:sym typeface="+mn-ea"/>
+              </a:rPr>
+              <a:t>(a,b)</a:t>
+            </a:r>
+            <a:r>
+              <a:rPr kumimoji="0" lang="zh-CN" altLang="en-US" sz="2000" dirty="0" smtClean="0">
+                <a:solidFill>
+                  <a:srgbClr val="FF0000"/>
+                </a:solidFill>
+                <a:sym typeface="+mn-ea"/>
+              </a:rPr>
+              <a:t> =&gt; </a:t>
+            </a:r>
+            <a:r>
+              <a:rPr kumimoji="0" lang="en-US" altLang="zh-CN" sz="2000" dirty="0" smtClean="0">
+                <a:solidFill>
+                  <a:srgbClr val="FF0000"/>
+                </a:solidFill>
+                <a:sym typeface="+mn-ea"/>
+              </a:rPr>
+              <a:t>a&gt;b?a:b</a:t>
+            </a:r>
+            <a:r>
+              <a:rPr kumimoji="0" lang="zh-CN" altLang="en-US" sz="2000" dirty="0" smtClean="0">
+                <a:solidFill>
+                  <a:schemeClr val="tx1"/>
+                </a:solidFill>
+                <a:sym typeface="+mn-ea"/>
+              </a:rPr>
+              <a:t>;</a:t>
             </a:r>
             <a:endParaRPr kumimoji="0" lang="zh-CN" altLang="en-US" sz="2000" dirty="0" smtClean="0">
               <a:solidFill>
@@ -16793,7 +16999,7 @@
         </p:nvSpPr>
         <p:spPr bwMode="auto">
           <a:xfrm>
-            <a:off x="947420" y="940435"/>
+            <a:off x="947420" y="796925"/>
             <a:ext cx="10874375" cy="5115560"/>
           </a:xfrm>
           <a:noFill/>
@@ -16982,41 +17188,6 @@
                 <a:sym typeface="+mn-ea"/>
               </a:rPr>
               <a:t>对象外面加上括号</a:t>
-            </a:r>
-            <a:br>
-              <a:rPr kumimoji="0" lang="zh-CN" altLang="en-US" sz="2000" dirty="0" smtClean="0">
-                <a:solidFill>
-                  <a:schemeClr val="tx1"/>
-                </a:solidFill>
-                <a:sym typeface="+mn-ea"/>
-              </a:rPr>
-            </a:br>
-            <a:r>
-              <a:rPr kumimoji="0" lang="en-US" altLang="zh-CN" sz="2000" dirty="0" smtClean="0">
-                <a:solidFill>
-                  <a:schemeClr val="tx1"/>
-                </a:solidFill>
-                <a:sym typeface="+mn-ea"/>
-              </a:rPr>
-              <a:t>- 不可以当作构造函数，</a:t>
-            </a:r>
-            <a:r>
-              <a:rPr kumimoji="0" lang="en-US" altLang="zh-CN" sz="2000" dirty="0" smtClean="0">
-                <a:solidFill>
-                  <a:schemeClr val="tx1"/>
-                </a:solidFill>
-                <a:sym typeface="+mn-ea"/>
-              </a:rPr>
-              <a:t>不可以使用 arguments 对象</a:t>
-            </a:r>
-            <a:r>
-              <a:rPr kumimoji="0" lang="en-US" altLang="zh-CN" sz="2000" dirty="0" smtClean="0">
-                <a:solidFill>
-                  <a:schemeClr val="tx1"/>
-                </a:solidFill>
-                <a:sym typeface="+mn-ea"/>
-              </a:rPr>
-              <a:t>，该对象在函数体内不存在</a:t>
             </a:r>
             <a:br>
               <a:rPr kumimoji="0" lang="zh-CN" altLang="en-US" sz="1200" dirty="0" smtClean="0">
@@ -17099,7 +17270,7 @@
       </p:sp>
       <p:pic>
         <p:nvPicPr>
-          <p:cNvPr id="3" name="图片 2"/>
+          <p:cNvPr id="3" name="图片 2" descr="C:\Users\qile\Desktop\捕获1.PNG捕获1"/>
           <p:cNvPicPr>
             <a:picLocks noChangeAspect="1"/>
           </p:cNvPicPr>
@@ -17107,14 +17278,65 @@
         </p:nvPicPr>
         <p:blipFill>
           <a:blip r:embed="rId1"/>
+          <a:srcRect/>
           <a:stretch>
             <a:fillRect/>
           </a:stretch>
         </p:blipFill>
         <p:spPr>
           <a:xfrm>
-            <a:off x="1280795" y="2884805"/>
-            <a:ext cx="8987155" cy="3797300"/>
+            <a:off x="1214755" y="2368550"/>
+            <a:ext cx="7371715" cy="3652520"/>
+          </a:xfrm>
+          <a:prstGeom prst="rect">
+            <a:avLst/>
+          </a:prstGeom>
+        </p:spPr>
+      </p:pic>
+      <p:pic>
+        <p:nvPicPr>
+          <p:cNvPr id="5" name="图片 4" descr="C:\Users\qile\Desktop\捕获2.PNG捕获2"/>
+          <p:cNvPicPr>
+            <a:picLocks noChangeAspect="1"/>
+          </p:cNvPicPr>
+          <p:nvPr/>
+        </p:nvPicPr>
+        <p:blipFill>
+          <a:blip r:embed="rId2"/>
+          <a:srcRect/>
+          <a:stretch>
+            <a:fillRect/>
+          </a:stretch>
+        </p:blipFill>
+        <p:spPr>
+          <a:xfrm>
+            <a:off x="1231265" y="2368550"/>
+            <a:ext cx="9312910" cy="3652520"/>
+          </a:xfrm>
+          <a:prstGeom prst="rect">
+            <a:avLst/>
+          </a:prstGeom>
+        </p:spPr>
+      </p:pic>
+      <p:pic>
+        <p:nvPicPr>
+          <p:cNvPr id="6" name="图片 5" descr="C:\Users\qile\Desktop\捕获3.PNG捕获3"/>
+          <p:cNvPicPr>
+            <a:picLocks noChangeAspect="1"/>
+          </p:cNvPicPr>
+          <p:nvPr/>
+        </p:nvPicPr>
+        <p:blipFill>
+          <a:blip r:embed="rId3"/>
+          <a:srcRect r="6075"/>
+          <a:stretch>
+            <a:fillRect/>
+          </a:stretch>
+        </p:blipFill>
+        <p:spPr>
+          <a:xfrm>
+            <a:off x="1234440" y="2368550"/>
+            <a:ext cx="10671175" cy="3652520"/>
           </a:xfrm>
           <a:prstGeom prst="rect">
             <a:avLst/>
@@ -17129,7 +17351,7 @@
         </p:nvSpPr>
         <p:spPr>
           <a:xfrm>
-            <a:off x="9064625" y="5309870"/>
+            <a:off x="8853805" y="5755005"/>
             <a:ext cx="3071495" cy="768350"/>
           </a:xfrm>
           <a:prstGeom prst="rect">
@@ -17306,30 +17528,285 @@
                             </p:childTnLst>
                           </p:cTn>
                         </p:par>
-                      </p:childTnLst>
-                    </p:cTn>
-                  </p:par>
-                  <p:par>
-                    <p:cTn id="9" fill="hold">
-                      <p:stCondLst>
-                        <p:cond delay="indefinite"/>
-                      </p:stCondLst>
-                      <p:childTnLst>
                         <p:par>
-                          <p:cTn id="10" fill="hold">
+                          <p:cTn id="9" fill="hold">
                             <p:stCondLst>
-                              <p:cond delay="0"/>
+                              <p:cond delay="500"/>
                             </p:stCondLst>
                             <p:childTnLst>
                               <p:par>
-                                <p:cTn id="11" presetID="2" presetClass="entr" presetSubtype="4" fill="hold" grpId="0" nodeType="clickEffect">
+                                <p:cTn id="10" presetID="2" presetClass="entr" presetSubtype="4" fill="hold" nodeType="afterEffect">
                                   <p:stCondLst>
                                     <p:cond delay="0"/>
                                   </p:stCondLst>
                                   <p:childTnLst>
                                     <p:set>
                                       <p:cBhvr>
-                                        <p:cTn id="12" dur="1" fill="hold">
+                                        <p:cTn id="11" dur="1" fill="hold">
+                                          <p:stCondLst>
+                                            <p:cond delay="0"/>
+                                          </p:stCondLst>
+                                        </p:cTn>
+                                        <p:tgtEl>
+                                          <p:spTgt spid="3"/>
+                                        </p:tgtEl>
+                                        <p:attrNameLst>
+                                          <p:attrName>style.visibility</p:attrName>
+                                        </p:attrNameLst>
+                                      </p:cBhvr>
+                                      <p:to>
+                                        <p:strVal val="visible"/>
+                                      </p:to>
+                                    </p:set>
+                                    <p:anim calcmode="lin" valueType="num">
+                                      <p:cBhvr additive="base">
+                                        <p:cTn id="12" dur="500" fill="hold"/>
+                                        <p:tgtEl>
+                                          <p:spTgt spid="3"/>
+                                        </p:tgtEl>
+                                        <p:attrNameLst>
+                                          <p:attrName>ppt_x</p:attrName>
+                                        </p:attrNameLst>
+                                      </p:cBhvr>
+                                      <p:tavLst>
+                                        <p:tav tm="0">
+                                          <p:val>
+                                            <p:strVal val="#ppt_x"/>
+                                          </p:val>
+                                        </p:tav>
+                                        <p:tav tm="100000">
+                                          <p:val>
+                                            <p:strVal val="#ppt_x"/>
+                                          </p:val>
+                                        </p:tav>
+                                      </p:tavLst>
+                                    </p:anim>
+                                    <p:anim calcmode="lin" valueType="num">
+                                      <p:cBhvr additive="base">
+                                        <p:cTn id="13" dur="500" fill="hold"/>
+                                        <p:tgtEl>
+                                          <p:spTgt spid="3"/>
+                                        </p:tgtEl>
+                                        <p:attrNameLst>
+                                          <p:attrName>ppt_y</p:attrName>
+                                        </p:attrNameLst>
+                                      </p:cBhvr>
+                                      <p:tavLst>
+                                        <p:tav tm="0">
+                                          <p:val>
+                                            <p:strVal val="1+#ppt_h/2"/>
+                                          </p:val>
+                                        </p:tav>
+                                        <p:tav tm="100000">
+                                          <p:val>
+                                            <p:strVal val="#ppt_y"/>
+                                          </p:val>
+                                        </p:tav>
+                                      </p:tavLst>
+                                    </p:anim>
+                                  </p:childTnLst>
+                                </p:cTn>
+                              </p:par>
+                            </p:childTnLst>
+                          </p:cTn>
+                        </p:par>
+                      </p:childTnLst>
+                    </p:cTn>
+                  </p:par>
+                  <p:par>
+                    <p:cTn id="14" fill="hold">
+                      <p:stCondLst>
+                        <p:cond delay="indefinite"/>
+                      </p:stCondLst>
+                      <p:childTnLst>
+                        <p:par>
+                          <p:cTn id="15" fill="hold">
+                            <p:stCondLst>
+                              <p:cond delay="0"/>
+                            </p:stCondLst>
+                            <p:childTnLst>
+                              <p:par>
+                                <p:cTn id="16" presetID="2" presetClass="entr" presetSubtype="4" fill="hold" nodeType="clickEffect">
+                                  <p:stCondLst>
+                                    <p:cond delay="0"/>
+                                  </p:stCondLst>
+                                  <p:childTnLst>
+                                    <p:set>
+                                      <p:cBhvr>
+                                        <p:cTn id="17" dur="1" fill="hold">
+                                          <p:stCondLst>
+                                            <p:cond delay="0"/>
+                                          </p:stCondLst>
+                                        </p:cTn>
+                                        <p:tgtEl>
+                                          <p:spTgt spid="5"/>
+                                        </p:tgtEl>
+                                        <p:attrNameLst>
+                                          <p:attrName>style.visibility</p:attrName>
+                                        </p:attrNameLst>
+                                      </p:cBhvr>
+                                      <p:to>
+                                        <p:strVal val="visible"/>
+                                      </p:to>
+                                    </p:set>
+                                    <p:anim calcmode="lin" valueType="num">
+                                      <p:cBhvr additive="base">
+                                        <p:cTn id="18" dur="500" fill="hold"/>
+                                        <p:tgtEl>
+                                          <p:spTgt spid="5"/>
+                                        </p:tgtEl>
+                                        <p:attrNameLst>
+                                          <p:attrName>ppt_x</p:attrName>
+                                        </p:attrNameLst>
+                                      </p:cBhvr>
+                                      <p:tavLst>
+                                        <p:tav tm="0">
+                                          <p:val>
+                                            <p:strVal val="#ppt_x"/>
+                                          </p:val>
+                                        </p:tav>
+                                        <p:tav tm="100000">
+                                          <p:val>
+                                            <p:strVal val="#ppt_x"/>
+                                          </p:val>
+                                        </p:tav>
+                                      </p:tavLst>
+                                    </p:anim>
+                                    <p:anim calcmode="lin" valueType="num">
+                                      <p:cBhvr additive="base">
+                                        <p:cTn id="19" dur="500" fill="hold"/>
+                                        <p:tgtEl>
+                                          <p:spTgt spid="5"/>
+                                        </p:tgtEl>
+                                        <p:attrNameLst>
+                                          <p:attrName>ppt_y</p:attrName>
+                                        </p:attrNameLst>
+                                      </p:cBhvr>
+                                      <p:tavLst>
+                                        <p:tav tm="0">
+                                          <p:val>
+                                            <p:strVal val="1+#ppt_h/2"/>
+                                          </p:val>
+                                        </p:tav>
+                                        <p:tav tm="100000">
+                                          <p:val>
+                                            <p:strVal val="#ppt_y"/>
+                                          </p:val>
+                                        </p:tav>
+                                      </p:tavLst>
+                                    </p:anim>
+                                  </p:childTnLst>
+                                </p:cTn>
+                              </p:par>
+                            </p:childTnLst>
+                          </p:cTn>
+                        </p:par>
+                      </p:childTnLst>
+                    </p:cTn>
+                  </p:par>
+                  <p:par>
+                    <p:cTn id="20" fill="hold">
+                      <p:stCondLst>
+                        <p:cond delay="indefinite"/>
+                      </p:stCondLst>
+                      <p:childTnLst>
+                        <p:par>
+                          <p:cTn id="21" fill="hold">
+                            <p:stCondLst>
+                              <p:cond delay="0"/>
+                            </p:stCondLst>
+                            <p:childTnLst>
+                              <p:par>
+                                <p:cTn id="22" presetID="2" presetClass="entr" presetSubtype="4" fill="hold" nodeType="clickEffect">
+                                  <p:stCondLst>
+                                    <p:cond delay="0"/>
+                                  </p:stCondLst>
+                                  <p:childTnLst>
+                                    <p:set>
+                                      <p:cBhvr>
+                                        <p:cTn id="23" dur="1" fill="hold">
+                                          <p:stCondLst>
+                                            <p:cond delay="0"/>
+                                          </p:stCondLst>
+                                        </p:cTn>
+                                        <p:tgtEl>
+                                          <p:spTgt spid="6"/>
+                                        </p:tgtEl>
+                                        <p:attrNameLst>
+                                          <p:attrName>style.visibility</p:attrName>
+                                        </p:attrNameLst>
+                                      </p:cBhvr>
+                                      <p:to>
+                                        <p:strVal val="visible"/>
+                                      </p:to>
+                                    </p:set>
+                                    <p:anim calcmode="lin" valueType="num">
+                                      <p:cBhvr additive="base">
+                                        <p:cTn id="24" dur="500" fill="hold"/>
+                                        <p:tgtEl>
+                                          <p:spTgt spid="6"/>
+                                        </p:tgtEl>
+                                        <p:attrNameLst>
+                                          <p:attrName>ppt_x</p:attrName>
+                                        </p:attrNameLst>
+                                      </p:cBhvr>
+                                      <p:tavLst>
+                                        <p:tav tm="0">
+                                          <p:val>
+                                            <p:strVal val="#ppt_x"/>
+                                          </p:val>
+                                        </p:tav>
+                                        <p:tav tm="100000">
+                                          <p:val>
+                                            <p:strVal val="#ppt_x"/>
+                                          </p:val>
+                                        </p:tav>
+                                      </p:tavLst>
+                                    </p:anim>
+                                    <p:anim calcmode="lin" valueType="num">
+                                      <p:cBhvr additive="base">
+                                        <p:cTn id="25" dur="500" fill="hold"/>
+                                        <p:tgtEl>
+                                          <p:spTgt spid="6"/>
+                                        </p:tgtEl>
+                                        <p:attrNameLst>
+                                          <p:attrName>ppt_y</p:attrName>
+                                        </p:attrNameLst>
+                                      </p:cBhvr>
+                                      <p:tavLst>
+                                        <p:tav tm="0">
+                                          <p:val>
+                                            <p:strVal val="1+#ppt_h/2"/>
+                                          </p:val>
+                                        </p:tav>
+                                        <p:tav tm="100000">
+                                          <p:val>
+                                            <p:strVal val="#ppt_y"/>
+                                          </p:val>
+                                        </p:tav>
+                                      </p:tavLst>
+                                    </p:anim>
+                                  </p:childTnLst>
+                                </p:cTn>
+                              </p:par>
+                            </p:childTnLst>
+                          </p:cTn>
+                        </p:par>
+                        <p:par>
+                          <p:cTn id="26" fill="hold">
+                            <p:stCondLst>
+                              <p:cond delay="500"/>
+                            </p:stCondLst>
+                            <p:childTnLst>
+                              <p:par>
+                                <p:cTn id="27" presetID="2" presetClass="entr" presetSubtype="4" fill="hold" grpId="0" nodeType="afterEffect">
+                                  <p:stCondLst>
+                                    <p:cond delay="0"/>
+                                  </p:stCondLst>
+                                  <p:childTnLst>
+                                    <p:set>
+                                      <p:cBhvr>
+                                        <p:cTn id="28" dur="1" fill="hold">
                                           <p:stCondLst>
                                             <p:cond delay="0"/>
                                           </p:stCondLst>
@@ -17347,7 +17824,7 @@
                                     </p:set>
                                     <p:anim calcmode="lin" valueType="num">
                                       <p:cBhvr additive="base">
-                                        <p:cTn id="13" dur="500" fill="hold"/>
+                                        <p:cTn id="29" dur="500" fill="hold"/>
                                         <p:tgtEl>
                                           <p:spTgt spid="4"/>
                                         </p:tgtEl>
@@ -17370,7 +17847,7 @@
                                     </p:anim>
                                     <p:anim calcmode="lin" valueType="num">
                                       <p:cBhvr additive="base">
-                                        <p:cTn id="14" dur="500" fill="hold"/>
+                                        <p:cTn id="30" dur="500" fill="hold"/>
                                         <p:tgtEl>
                                           <p:spTgt spid="4"/>
                                         </p:tgtEl>
